--- a/prescription_checker/AutonHack Presentation.pptx
+++ b/prescription_checker/AutonHack Presentation.pptx
@@ -16195,7 +16195,7 @@
               <a:buChar char="●"/>
             </a:pPr>
             <a:r>
-              <a:rPr lang="en" sz="1500">
+              <a:rPr b="1" lang="en" sz="1500">
                 <a:solidFill>
                   <a:srgbClr val="FFFFFF"/>
                 </a:solidFill>
@@ -16204,10 +16204,10 @@
                 <a:cs typeface="Cousine"/>
                 <a:sym typeface="Cousine"/>
               </a:rPr>
-              <a:t>Multimodal </a:t>
+              <a:t>Multimodal - </a:t>
             </a:r>
             <a:r>
-              <a:rPr lang="en" sz="1500">
+              <a:rPr b="1" lang="en" sz="1500">
                 <a:solidFill>
                   <a:srgbClr val="FFFFFF"/>
                 </a:solidFill>
@@ -16216,9 +16216,9 @@
                 <a:cs typeface="Cousine"/>
                 <a:sym typeface="Cousine"/>
               </a:rPr>
-              <a:t>inputs</a:t>
+              <a:t>Multi-languages</a:t>
             </a:r>
-            <a:endParaRPr sz="1500">
+            <a:endParaRPr b="1" sz="1500">
               <a:solidFill>
                 <a:srgbClr val="FFFFFF"/>
               </a:solidFill>
@@ -16287,7 +16287,7 @@
               <a:buChar char="●"/>
             </a:pPr>
             <a:r>
-              <a:rPr lang="en" sz="1500">
+              <a:rPr b="1" lang="en" sz="1500">
                 <a:solidFill>
                   <a:srgbClr val="FFFFFF"/>
                 </a:solidFill>
@@ -16298,7 +16298,7 @@
               </a:rPr>
               <a:t>Better LLMs</a:t>
             </a:r>
-            <a:endParaRPr sz="1500">
+            <a:endParaRPr b="1" sz="1500">
               <a:solidFill>
                 <a:srgbClr val="FFFFFF"/>
               </a:solidFill>
@@ -16407,7 +16407,7 @@
               <a:buChar char="●"/>
             </a:pPr>
             <a:r>
-              <a:rPr lang="en" sz="1500">
+              <a:rPr b="1" lang="en" sz="1500">
                 <a:solidFill>
                   <a:srgbClr val="FFFFFF"/>
                 </a:solidFill>
@@ -16418,7 +16418,7 @@
               </a:rPr>
               <a:t>Reinforcement learning (RLHF)</a:t>
             </a:r>
-            <a:endParaRPr sz="1500">
+            <a:endParaRPr b="1" sz="1500">
               <a:solidFill>
                 <a:srgbClr val="FFFFFF"/>
               </a:solidFill>
@@ -16479,9 +16479,9 @@
 </file>
 
 <file path=ppt/theme/theme1.xml><?xml version="1.0" encoding="utf-8"?>
-<a:theme xmlns:a="http://schemas.openxmlformats.org/drawingml/2006/main" xmlns:r="http://schemas.openxmlformats.org/officeDocument/2006/relationships" name="Simple Light">
+<a:theme xmlns:a="http://schemas.openxmlformats.org/drawingml/2006/main" xmlns:r="http://schemas.openxmlformats.org/officeDocument/2006/relationships">
   <a:themeElements>
-    <a:clrScheme name="Simple Light">
+    <a:clrScheme name="Default">
       <a:dk1>
         <a:srgbClr val="000000"/>
       </a:dk1>
@@ -16489,34 +16489,34 @@
         <a:srgbClr val="FFFFFF"/>
       </a:lt1>
       <a:dk2>
-        <a:srgbClr val="595959"/>
+        <a:srgbClr val="158158"/>
       </a:dk2>
       <a:lt2>
-        <a:srgbClr val="EEEEEE"/>
+        <a:srgbClr val="F3F3F3"/>
       </a:lt2>
       <a:accent1>
-        <a:srgbClr val="4285F4"/>
+        <a:srgbClr val="058DC7"/>
       </a:accent1>
       <a:accent2>
-        <a:srgbClr val="212121"/>
+        <a:srgbClr val="50B432"/>
       </a:accent2>
       <a:accent3>
-        <a:srgbClr val="78909C"/>
+        <a:srgbClr val="ED561B"/>
       </a:accent3>
       <a:accent4>
-        <a:srgbClr val="FFAB40"/>
+        <a:srgbClr val="EDEF00"/>
       </a:accent4>
       <a:accent5>
-        <a:srgbClr val="0097A7"/>
+        <a:srgbClr val="24CBE5"/>
       </a:accent5>
       <a:accent6>
-        <a:srgbClr val="EEFF41"/>
+        <a:srgbClr val="64E572"/>
       </a:accent6>
       <a:hlink>
-        <a:srgbClr val="0097A7"/>
+        <a:srgbClr val="2200CC"/>
       </a:hlink>
       <a:folHlink>
-        <a:srgbClr val="0097A7"/>
+        <a:srgbClr val="551A8B"/>
       </a:folHlink>
     </a:clrScheme>
     <a:fontScheme name="Office">
@@ -16758,9 +16758,9 @@
 </file>
 
 <file path=ppt/theme/theme2.xml><?xml version="1.0" encoding="utf-8"?>
-<a:theme xmlns:a="http://schemas.openxmlformats.org/drawingml/2006/main" xmlns:r="http://schemas.openxmlformats.org/officeDocument/2006/relationships">
+<a:theme xmlns:a="http://schemas.openxmlformats.org/drawingml/2006/main" xmlns:r="http://schemas.openxmlformats.org/officeDocument/2006/relationships" name="Simple Light">
   <a:themeElements>
-    <a:clrScheme name="Default">
+    <a:clrScheme name="Simple Light">
       <a:dk1>
         <a:srgbClr val="000000"/>
       </a:dk1>
@@ -16768,34 +16768,34 @@
         <a:srgbClr val="FFFFFF"/>
       </a:lt1>
       <a:dk2>
-        <a:srgbClr val="158158"/>
+        <a:srgbClr val="595959"/>
       </a:dk2>
       <a:lt2>
-        <a:srgbClr val="F3F3F3"/>
+        <a:srgbClr val="EEEEEE"/>
       </a:lt2>
       <a:accent1>
-        <a:srgbClr val="058DC7"/>
+        <a:srgbClr val="4285F4"/>
       </a:accent1>
       <a:accent2>
-        <a:srgbClr val="50B432"/>
+        <a:srgbClr val="212121"/>
       </a:accent2>
       <a:accent3>
-        <a:srgbClr val="ED561B"/>
+        <a:srgbClr val="78909C"/>
       </a:accent3>
       <a:accent4>
-        <a:srgbClr val="EDEF00"/>
+        <a:srgbClr val="FFAB40"/>
       </a:accent4>
       <a:accent5>
-        <a:srgbClr val="24CBE5"/>
+        <a:srgbClr val="0097A7"/>
       </a:accent5>
       <a:accent6>
-        <a:srgbClr val="64E572"/>
+        <a:srgbClr val="EEFF41"/>
       </a:accent6>
       <a:hlink>
-        <a:srgbClr val="2200CC"/>
+        <a:srgbClr val="0097A7"/>
       </a:hlink>
       <a:folHlink>
-        <a:srgbClr val="551A8B"/>
+        <a:srgbClr val="0097A7"/>
       </a:folHlink>
     </a:clrScheme>
     <a:fontScheme name="Office">
